--- a/docs/deployment_guide/images/architecture-diagram-salesforce-industries-virtual-calls.pptx
+++ b/docs/deployment_guide/images/architecture-diagram-salesforce-industries-virtual-calls.pptx
@@ -243,7 +243,7 @@
           <a:p>
             <a:fld id="{910FE9F8-85C6-4D94-8C60-6B46B301E45E}" type="datetimeFigureOut">
               <a:rPr lang="en-US" smtClean="0"/>
-              <a:t>12/16/22</a:t>
+              <a:t>1/10/2023</a:t>
             </a:fld>
             <a:endParaRPr lang="en-US"/>
           </a:p>
@@ -413,7 +413,7 @@
           <a:p>
             <a:fld id="{910FE9F8-85C6-4D94-8C60-6B46B301E45E}" type="datetimeFigureOut">
               <a:rPr lang="en-US" smtClean="0"/>
-              <a:t>12/16/22</a:t>
+              <a:t>1/10/2023</a:t>
             </a:fld>
             <a:endParaRPr lang="en-US"/>
           </a:p>
@@ -593,7 +593,7 @@
           <a:p>
             <a:fld id="{910FE9F8-85C6-4D94-8C60-6B46B301E45E}" type="datetimeFigureOut">
               <a:rPr lang="en-US" smtClean="0"/>
-              <a:t>12/16/22</a:t>
+              <a:t>1/10/2023</a:t>
             </a:fld>
             <a:endParaRPr lang="en-US"/>
           </a:p>
@@ -763,7 +763,7 @@
           <a:p>
             <a:fld id="{910FE9F8-85C6-4D94-8C60-6B46B301E45E}" type="datetimeFigureOut">
               <a:rPr lang="en-US" smtClean="0"/>
-              <a:t>12/16/22</a:t>
+              <a:t>1/10/2023</a:t>
             </a:fld>
             <a:endParaRPr lang="en-US"/>
           </a:p>
@@ -1009,7 +1009,7 @@
           <a:p>
             <a:fld id="{910FE9F8-85C6-4D94-8C60-6B46B301E45E}" type="datetimeFigureOut">
               <a:rPr lang="en-US" smtClean="0"/>
-              <a:t>12/16/22</a:t>
+              <a:t>1/10/2023</a:t>
             </a:fld>
             <a:endParaRPr lang="en-US"/>
           </a:p>
@@ -1241,7 +1241,7 @@
           <a:p>
             <a:fld id="{910FE9F8-85C6-4D94-8C60-6B46B301E45E}" type="datetimeFigureOut">
               <a:rPr lang="en-US" smtClean="0"/>
-              <a:t>12/16/22</a:t>
+              <a:t>1/10/2023</a:t>
             </a:fld>
             <a:endParaRPr lang="en-US"/>
           </a:p>
@@ -1608,7 +1608,7 @@
           <a:p>
             <a:fld id="{910FE9F8-85C6-4D94-8C60-6B46B301E45E}" type="datetimeFigureOut">
               <a:rPr lang="en-US" smtClean="0"/>
-              <a:t>12/16/22</a:t>
+              <a:t>1/10/2023</a:t>
             </a:fld>
             <a:endParaRPr lang="en-US"/>
           </a:p>
@@ -1726,7 +1726,7 @@
           <a:p>
             <a:fld id="{910FE9F8-85C6-4D94-8C60-6B46B301E45E}" type="datetimeFigureOut">
               <a:rPr lang="en-US" smtClean="0"/>
-              <a:t>12/16/22</a:t>
+              <a:t>1/10/2023</a:t>
             </a:fld>
             <a:endParaRPr lang="en-US"/>
           </a:p>
@@ -1821,7 +1821,7 @@
           <a:p>
             <a:fld id="{910FE9F8-85C6-4D94-8C60-6B46B301E45E}" type="datetimeFigureOut">
               <a:rPr lang="en-US" smtClean="0"/>
-              <a:t>12/16/22</a:t>
+              <a:t>1/10/2023</a:t>
             </a:fld>
             <a:endParaRPr lang="en-US"/>
           </a:p>
@@ -2098,7 +2098,7 @@
           <a:p>
             <a:fld id="{910FE9F8-85C6-4D94-8C60-6B46B301E45E}" type="datetimeFigureOut">
               <a:rPr lang="en-US" smtClean="0"/>
-              <a:t>12/16/22</a:t>
+              <a:t>1/10/2023</a:t>
             </a:fld>
             <a:endParaRPr lang="en-US"/>
           </a:p>
@@ -2355,7 +2355,7 @@
           <a:p>
             <a:fld id="{910FE9F8-85C6-4D94-8C60-6B46B301E45E}" type="datetimeFigureOut">
               <a:rPr lang="en-US" smtClean="0"/>
-              <a:t>12/16/22</a:t>
+              <a:t>1/10/2023</a:t>
             </a:fld>
             <a:endParaRPr lang="en-US"/>
           </a:p>
@@ -2568,7 +2568,7 @@
           <a:p>
             <a:fld id="{910FE9F8-85C6-4D94-8C60-6B46B301E45E}" type="datetimeFigureOut">
               <a:rPr lang="en-US" smtClean="0"/>
-              <a:t>12/16/22</a:t>
+              <a:t>1/10/2023</a:t>
             </a:fld>
             <a:endParaRPr lang="en-US"/>
           </a:p>

--- a/docs/deployment_guide/images/architecture-diagram-salesforce-industries-virtual-calls.pptx
+++ b/docs/deployment_guide/images/architecture-diagram-salesforce-industries-virtual-calls.pptx
@@ -243,7 +243,7 @@
           <a:p>
             <a:fld id="{910FE9F8-85C6-4D94-8C60-6B46B301E45E}" type="datetimeFigureOut">
               <a:rPr lang="en-US" smtClean="0"/>
-              <a:t>1/10/2023</a:t>
+              <a:t>1/24/2023</a:t>
             </a:fld>
             <a:endParaRPr lang="en-US"/>
           </a:p>
@@ -413,7 +413,7 @@
           <a:p>
             <a:fld id="{910FE9F8-85C6-4D94-8C60-6B46B301E45E}" type="datetimeFigureOut">
               <a:rPr lang="en-US" smtClean="0"/>
-              <a:t>1/10/2023</a:t>
+              <a:t>1/24/2023</a:t>
             </a:fld>
             <a:endParaRPr lang="en-US"/>
           </a:p>
@@ -593,7 +593,7 @@
           <a:p>
             <a:fld id="{910FE9F8-85C6-4D94-8C60-6B46B301E45E}" type="datetimeFigureOut">
               <a:rPr lang="en-US" smtClean="0"/>
-              <a:t>1/10/2023</a:t>
+              <a:t>1/24/2023</a:t>
             </a:fld>
             <a:endParaRPr lang="en-US"/>
           </a:p>
@@ -763,7 +763,7 @@
           <a:p>
             <a:fld id="{910FE9F8-85C6-4D94-8C60-6B46B301E45E}" type="datetimeFigureOut">
               <a:rPr lang="en-US" smtClean="0"/>
-              <a:t>1/10/2023</a:t>
+              <a:t>1/24/2023</a:t>
             </a:fld>
             <a:endParaRPr lang="en-US"/>
           </a:p>
@@ -1009,7 +1009,7 @@
           <a:p>
             <a:fld id="{910FE9F8-85C6-4D94-8C60-6B46B301E45E}" type="datetimeFigureOut">
               <a:rPr lang="en-US" smtClean="0"/>
-              <a:t>1/10/2023</a:t>
+              <a:t>1/24/2023</a:t>
             </a:fld>
             <a:endParaRPr lang="en-US"/>
           </a:p>
@@ -1241,7 +1241,7 @@
           <a:p>
             <a:fld id="{910FE9F8-85C6-4D94-8C60-6B46B301E45E}" type="datetimeFigureOut">
               <a:rPr lang="en-US" smtClean="0"/>
-              <a:t>1/10/2023</a:t>
+              <a:t>1/24/2023</a:t>
             </a:fld>
             <a:endParaRPr lang="en-US"/>
           </a:p>
@@ -1608,7 +1608,7 @@
           <a:p>
             <a:fld id="{910FE9F8-85C6-4D94-8C60-6B46B301E45E}" type="datetimeFigureOut">
               <a:rPr lang="en-US" smtClean="0"/>
-              <a:t>1/10/2023</a:t>
+              <a:t>1/24/2023</a:t>
             </a:fld>
             <a:endParaRPr lang="en-US"/>
           </a:p>
@@ -1726,7 +1726,7 @@
           <a:p>
             <a:fld id="{910FE9F8-85C6-4D94-8C60-6B46B301E45E}" type="datetimeFigureOut">
               <a:rPr lang="en-US" smtClean="0"/>
-              <a:t>1/10/2023</a:t>
+              <a:t>1/24/2023</a:t>
             </a:fld>
             <a:endParaRPr lang="en-US"/>
           </a:p>
@@ -1821,7 +1821,7 @@
           <a:p>
             <a:fld id="{910FE9F8-85C6-4D94-8C60-6B46B301E45E}" type="datetimeFigureOut">
               <a:rPr lang="en-US" smtClean="0"/>
-              <a:t>1/10/2023</a:t>
+              <a:t>1/24/2023</a:t>
             </a:fld>
             <a:endParaRPr lang="en-US"/>
           </a:p>
@@ -2098,7 +2098,7 @@
           <a:p>
             <a:fld id="{910FE9F8-85C6-4D94-8C60-6B46B301E45E}" type="datetimeFigureOut">
               <a:rPr lang="en-US" smtClean="0"/>
-              <a:t>1/10/2023</a:t>
+              <a:t>1/24/2023</a:t>
             </a:fld>
             <a:endParaRPr lang="en-US"/>
           </a:p>
@@ -2355,7 +2355,7 @@
           <a:p>
             <a:fld id="{910FE9F8-85C6-4D94-8C60-6B46B301E45E}" type="datetimeFigureOut">
               <a:rPr lang="en-US" smtClean="0"/>
-              <a:t>1/10/2023</a:t>
+              <a:t>1/24/2023</a:t>
             </a:fld>
             <a:endParaRPr lang="en-US"/>
           </a:p>
@@ -2568,7 +2568,7 @@
           <a:p>
             <a:fld id="{910FE9F8-85C6-4D94-8C60-6B46B301E45E}" type="datetimeFigureOut">
               <a:rPr lang="en-US" smtClean="0"/>
-              <a:t>1/10/2023</a:t>
+              <a:t>1/24/2023</a:t>
             </a:fld>
             <a:endParaRPr lang="en-US"/>
           </a:p>
@@ -3620,8 +3620,8 @@
         </p:nvCxnSpPr>
         <p:spPr>
           <a:xfrm flipH="1">
-            <a:off x="4569827" y="2226578"/>
-            <a:ext cx="3621" cy="1246395"/>
+            <a:off x="4569828" y="2411244"/>
+            <a:ext cx="3620" cy="1061729"/>
           </a:xfrm>
           <a:prstGeom prst="straightConnector1">
             <a:avLst/>
@@ -5961,7 +5961,7 @@
         <p:spPr bwMode="auto">
           <a:xfrm>
             <a:off x="3602191" y="1949579"/>
-            <a:ext cx="1942514" cy="276999"/>
+            <a:ext cx="1942514" cy="461665"/>
           </a:xfrm>
           <a:prstGeom prst="rect">
             <a:avLst/>
@@ -6100,7 +6100,18 @@
                 <a:ea typeface="Amazon Ember" panose="020B0603020204020204" pitchFamily="34" charset="0"/>
                 <a:cs typeface="Arial" panose="020B0604020202020204" pitchFamily="34" charset="0"/>
               </a:rPr>
-              <a:t>Salesforce Industry Cloud</a:t>
+              <a:t>Salesforce Industry </a:t>
+            </a:r>
+          </a:p>
+          <a:p>
+            <a:pPr algn="ctr" eaLnBrk="1" hangingPunct="1"/>
+            <a:r>
+              <a:rPr lang="en-US" altLang="en-US" sz="1200" dirty="0">
+                <a:latin typeface="Arial" panose="020B0604020202020204" pitchFamily="34" charset="0"/>
+                <a:ea typeface="Amazon Ember" panose="020B0603020204020204" pitchFamily="34" charset="0"/>
+                <a:cs typeface="Arial" panose="020B0604020202020204" pitchFamily="34" charset="0"/>
+              </a:rPr>
+              <a:t>Cloud</a:t>
             </a:r>
           </a:p>
         </p:txBody>
